--- a/SALIFORT MOTORS EMPLOYEE RETENTION/Employee_retention_analysis_executive_summary.pptx
+++ b/SALIFORT MOTORS EMPLOYEE RETENTION/Employee_retention_analysis_executive_summary.pptx
@@ -44002,7 +44002,7 @@
         <p:spPr>
           <a:xfrm>
             <a:off x="3922531" y="1018099"/>
-            <a:ext cx="4771458" cy="3290581"/>
+            <a:ext cx="4771458" cy="2967415"/>
           </a:xfrm>
           <a:prstGeom prst="rect">
             <a:avLst/>
@@ -44094,7 +44094,14 @@
                 <a:effectLst/>
                 <a:latin typeface="system-ui"/>
               </a:rPr>
-              <a:t>for employees putting more score weight on contribution and effort</a:t>
+              <a:t>for employees putting more score weight on contribution </a:t>
+            </a:r>
+            <a:r>
+              <a:rPr lang="en-US" sz="1400" b="0" i="0">
+                <a:effectLst/>
+                <a:latin typeface="system-ui"/>
+              </a:rPr>
+              <a:t>and effort</a:t>
             </a:r>
           </a:p>
           <a:p>
@@ -44106,27 +44113,18 @@
               <a:buChar char="•"/>
             </a:pPr>
             <a:r>
-              <a:rPr lang="en-US" sz="1400" b="1" i="0" dirty="0">
+              <a:rPr lang="en-US" sz="1400" b="0" i="0">
                 <a:effectLst/>
                 <a:latin typeface="system-ui"/>
               </a:rPr>
-              <a:t>Consider promotion after 4 years</a:t>
+              <a:t>Evaluate </a:t>
             </a:r>
-          </a:p>
-          <a:p>
-            <a:pPr marL="438150" indent="-285750" algn="l">
-              <a:lnSpc>
-                <a:spcPct val="150000"/>
-              </a:lnSpc>
-              <a:buFont typeface="Arial" panose="020B0604020202020204" pitchFamily="34" charset="0"/>
-              <a:buChar char="•"/>
-            </a:pPr>
             <a:r>
               <a:rPr lang="en-US" sz="1400" b="0" i="0" dirty="0">
                 <a:effectLst/>
                 <a:latin typeface="system-ui"/>
               </a:rPr>
-              <a:t>Evaluate and discuss about </a:t>
+              <a:t>and discuss about </a:t>
             </a:r>
             <a:r>
               <a:rPr lang="en-US" sz="1400" b="1" i="0" dirty="0">

--- a/SALIFORT MOTORS EMPLOYEE RETENTION/Employee_retention_analysis_executive_summary.pptx
+++ b/SALIFORT MOTORS EMPLOYEE RETENTION/Employee_retention_analysis_executive_summary.pptx
@@ -38258,18 +38258,11 @@
               <a:t>The four machine learning models showed good metric scores with the </a:t>
             </a:r>
             <a:r>
-              <a:rPr lang="en-US" sz="1400" b="1" i="0" dirty="0" err="1">
-                <a:effectLst/>
-                <a:latin typeface="system-ui"/>
-              </a:rPr>
-              <a:t>XRBoost</a:t>
-            </a:r>
-            <a:r>
               <a:rPr lang="en-US" sz="1400" b="1" i="0" dirty="0">
                 <a:effectLst/>
                 <a:latin typeface="system-ui"/>
               </a:rPr>
-              <a:t> Model </a:t>
+              <a:t>XGBoost Model </a:t>
             </a:r>
             <a:r>
               <a:rPr lang="en-US" sz="1400" i="0" dirty="0">
